--- a/Robotics/bbSlides.pptx
+++ b/Robotics/bbSlides.pptx
@@ -23,6 +23,9 @@
     <p:sldId id="270" r:id="rId17"/>
     <p:sldId id="271" r:id="rId18"/>
     <p:sldId id="272" r:id="rId19"/>
+    <p:sldId id="274" r:id="rId20"/>
+    <p:sldId id="275" r:id="rId21"/>
+    <p:sldId id="276" r:id="rId22"/>
   </p:sldIdLst>
   <p:sldSz cx="12192000" cy="6858000"/>
   <p:notesSz cx="6858000" cy="9144000"/>
@@ -4686,10 +4689,222 @@
           </a:p>
         </p:txBody>
       </p:sp>
+      <p:sp>
+        <p:nvSpPr>
+          <p:cNvPr id="5" name="TextBox 4"/>
+          <p:cNvSpPr txBox="1"/>
+          <p:nvPr/>
+        </p:nvSpPr>
+        <p:spPr>
+          <a:xfrm>
+            <a:off x="660400" y="3086100"/>
+            <a:ext cx="11201400" cy="1323439"/>
+          </a:xfrm>
+          <a:prstGeom prst="rect">
+            <a:avLst/>
+          </a:prstGeom>
+          <a:solidFill>
+            <a:schemeClr val="bg1"/>
+          </a:solidFill>
+        </p:spPr>
+        <p:txBody>
+          <a:bodyPr wrap="square" rtlCol="0">
+            <a:spAutoFit/>
+          </a:bodyPr>
+          <a:lstStyle/>
+          <a:p>
+            <a:r>
+              <a:rPr lang="en-GB" sz="8000" dirty="0" smtClean="0">
+                <a:latin typeface="3ds" panose="02000503020000020004" pitchFamily="2" charset="0"/>
+              </a:rPr>
+              <a:t>http://bit.ly/usmcrobot</a:t>
+            </a:r>
+            <a:endParaRPr lang="en-GB" sz="8000" dirty="0">
+              <a:latin typeface="3ds" panose="02000503020000020004" pitchFamily="2" charset="0"/>
+            </a:endParaRPr>
+          </a:p>
+        </p:txBody>
+      </p:sp>
     </p:spTree>
     <p:extLst>
       <p:ext uri="{BB962C8B-B14F-4D97-AF65-F5344CB8AC3E}">
         <p14:creationId xmlns:p14="http://schemas.microsoft.com/office/powerpoint/2010/main" val="3337027673"/>
+      </p:ext>
+    </p:extLst>
+  </p:cSld>
+  <p:clrMapOvr>
+    <a:masterClrMapping/>
+  </p:clrMapOvr>
+  <p:timing>
+    <p:tnLst>
+      <p:par>
+        <p:cTn id="1" dur="indefinite" restart="never" nodeType="tmRoot"/>
+      </p:par>
+    </p:tnLst>
+  </p:timing>
+</p:sld>
+</file>
+
+<file path=ppt/slides/slide19.xml><?xml version="1.0" encoding="utf-8"?>
+<p:sld xmlns:a="http://schemas.openxmlformats.org/drawingml/2006/main" xmlns:r="http://schemas.openxmlformats.org/officeDocument/2006/relationships" xmlns:p="http://schemas.openxmlformats.org/presentationml/2006/main">
+  <p:cSld>
+    <p:spTree>
+      <p:nvGrpSpPr>
+        <p:cNvPr id="1" name=""/>
+        <p:cNvGrpSpPr/>
+        <p:nvPr/>
+      </p:nvGrpSpPr>
+      <p:grpSpPr>
+        <a:xfrm>
+          <a:off x="0" y="0"/>
+          <a:ext cx="0" cy="0"/>
+          <a:chOff x="0" y="0"/>
+          <a:chExt cx="0" cy="0"/>
+        </a:xfrm>
+      </p:grpSpPr>
+      <p:pic>
+        <p:nvPicPr>
+          <p:cNvPr id="3" name="Picture 2"/>
+          <p:cNvPicPr>
+            <a:picLocks noChangeAspect="1"/>
+          </p:cNvPicPr>
+          <p:nvPr/>
+        </p:nvPicPr>
+        <p:blipFill>
+          <a:blip r:embed="rId2"/>
+          <a:stretch>
+            <a:fillRect/>
+          </a:stretch>
+        </p:blipFill>
+        <p:spPr>
+          <a:xfrm>
+            <a:off x="838200" y="1830836"/>
+            <a:ext cx="10327994" cy="4595363"/>
+          </a:xfrm>
+          <a:prstGeom prst="rect">
+            <a:avLst/>
+          </a:prstGeom>
+        </p:spPr>
+      </p:pic>
+      <p:sp>
+        <p:nvSpPr>
+          <p:cNvPr id="2" name="Title 1"/>
+          <p:cNvSpPr>
+            <a:spLocks noGrp="1"/>
+          </p:cNvSpPr>
+          <p:nvPr>
+            <p:ph type="title"/>
+          </p:nvPr>
+        </p:nvSpPr>
+        <p:spPr/>
+        <p:txBody>
+          <a:bodyPr/>
+          <a:lstStyle/>
+          <a:p>
+            <a:r>
+              <a:rPr lang="en-US" dirty="0" smtClean="0"/>
+              <a:t>Bluetooth Connectivity</a:t>
+            </a:r>
+            <a:endParaRPr lang="en-GB" dirty="0"/>
+          </a:p>
+        </p:txBody>
+      </p:sp>
+      <p:sp>
+        <p:nvSpPr>
+          <p:cNvPr id="7" name="Down Arrow 6"/>
+          <p:cNvSpPr/>
+          <p:nvPr/>
+        </p:nvSpPr>
+        <p:spPr>
+          <a:xfrm rot="5400000">
+            <a:off x="6068993" y="5510212"/>
+            <a:ext cx="464508" cy="1018751"/>
+          </a:xfrm>
+          <a:prstGeom prst="downArrow">
+            <a:avLst/>
+          </a:prstGeom>
+          <a:solidFill>
+            <a:srgbClr val="FF0000"/>
+          </a:solidFill>
+          <a:ln>
+            <a:noFill/>
+          </a:ln>
+        </p:spPr>
+        <p:style>
+          <a:lnRef idx="2">
+            <a:schemeClr val="accent1">
+              <a:shade val="50000"/>
+            </a:schemeClr>
+          </a:lnRef>
+          <a:fillRef idx="1">
+            <a:schemeClr val="accent1"/>
+          </a:fillRef>
+          <a:effectRef idx="0">
+            <a:schemeClr val="accent1"/>
+          </a:effectRef>
+          <a:fontRef idx="minor">
+            <a:schemeClr val="lt1"/>
+          </a:fontRef>
+        </p:style>
+        <p:txBody>
+          <a:bodyPr rtlCol="0" anchor="ctr"/>
+          <a:lstStyle/>
+          <a:p>
+            <a:pPr algn="ctr"/>
+            <a:endParaRPr lang="en-GB"/>
+          </a:p>
+        </p:txBody>
+      </p:sp>
+      <p:sp>
+        <p:nvSpPr>
+          <p:cNvPr id="8" name="Down Arrow 7"/>
+          <p:cNvSpPr/>
+          <p:nvPr/>
+        </p:nvSpPr>
+        <p:spPr>
+          <a:xfrm rot="5400000">
+            <a:off x="2716193" y="3008312"/>
+            <a:ext cx="464508" cy="1018751"/>
+          </a:xfrm>
+          <a:prstGeom prst="downArrow">
+            <a:avLst/>
+          </a:prstGeom>
+          <a:solidFill>
+            <a:srgbClr val="FF0000"/>
+          </a:solidFill>
+          <a:ln>
+            <a:noFill/>
+          </a:ln>
+        </p:spPr>
+        <p:style>
+          <a:lnRef idx="2">
+            <a:schemeClr val="accent1">
+              <a:shade val="50000"/>
+            </a:schemeClr>
+          </a:lnRef>
+          <a:fillRef idx="1">
+            <a:schemeClr val="accent1"/>
+          </a:fillRef>
+          <a:effectRef idx="0">
+            <a:schemeClr val="accent1"/>
+          </a:effectRef>
+          <a:fontRef idx="minor">
+            <a:schemeClr val="lt1"/>
+          </a:fontRef>
+        </p:style>
+        <p:txBody>
+          <a:bodyPr rtlCol="0" anchor="ctr"/>
+          <a:lstStyle/>
+          <a:p>
+            <a:pPr algn="ctr"/>
+            <a:endParaRPr lang="en-GB"/>
+          </a:p>
+        </p:txBody>
+      </p:sp>
+    </p:spTree>
+    <p:extLst>
+      <p:ext uri="{BB962C8B-B14F-4D97-AF65-F5344CB8AC3E}">
+        <p14:creationId xmlns:p14="http://schemas.microsoft.com/office/powerpoint/2010/main" val="3212751726"/>
       </p:ext>
     </p:extLst>
   </p:cSld>
@@ -4723,6 +4938,42 @@
           <a:chExt cx="0" cy="0"/>
         </a:xfrm>
       </p:grpSpPr>
+      <p:sp>
+        <p:nvSpPr>
+          <p:cNvPr id="3" name="TextBox 2"/>
+          <p:cNvSpPr txBox="1"/>
+          <p:nvPr/>
+        </p:nvSpPr>
+        <p:spPr>
+          <a:xfrm>
+            <a:off x="508000" y="2755900"/>
+            <a:ext cx="11201400" cy="1323439"/>
+          </a:xfrm>
+          <a:prstGeom prst="rect">
+            <a:avLst/>
+          </a:prstGeom>
+          <a:solidFill>
+            <a:schemeClr val="bg1"/>
+          </a:solidFill>
+        </p:spPr>
+        <p:txBody>
+          <a:bodyPr wrap="square" rtlCol="0">
+            <a:spAutoFit/>
+          </a:bodyPr>
+          <a:lstStyle/>
+          <a:p>
+            <a:r>
+              <a:rPr lang="en-GB" sz="8000" dirty="0" smtClean="0">
+                <a:latin typeface="3ds" panose="02000503020000020004" pitchFamily="2" charset="0"/>
+              </a:rPr>
+              <a:t>http://bit.ly/usmcrobot</a:t>
+            </a:r>
+            <a:endParaRPr lang="en-GB" sz="8000" dirty="0">
+              <a:latin typeface="3ds" panose="02000503020000020004" pitchFamily="2" charset="0"/>
+            </a:endParaRPr>
+          </a:p>
+        </p:txBody>
+      </p:sp>
     </p:spTree>
     <p:extLst>
       <p:ext uri="{BB962C8B-B14F-4D97-AF65-F5344CB8AC3E}">
@@ -4733,6 +4984,266 @@
   <p:clrMapOvr>
     <a:masterClrMapping/>
   </p:clrMapOvr>
+</p:sld>
+</file>
+
+<file path=ppt/slides/slide20.xml><?xml version="1.0" encoding="utf-8"?>
+<p:sld xmlns:a="http://schemas.openxmlformats.org/drawingml/2006/main" xmlns:r="http://schemas.openxmlformats.org/officeDocument/2006/relationships" xmlns:p="http://schemas.openxmlformats.org/presentationml/2006/main">
+  <p:cSld>
+    <p:spTree>
+      <p:nvGrpSpPr>
+        <p:cNvPr id="1" name=""/>
+        <p:cNvGrpSpPr/>
+        <p:nvPr/>
+      </p:nvGrpSpPr>
+      <p:grpSpPr>
+        <a:xfrm>
+          <a:off x="0" y="0"/>
+          <a:ext cx="0" cy="0"/>
+          <a:chOff x="0" y="0"/>
+          <a:chExt cx="0" cy="0"/>
+        </a:xfrm>
+      </p:grpSpPr>
+      <p:pic>
+        <p:nvPicPr>
+          <p:cNvPr id="4" name="Picture 3"/>
+          <p:cNvPicPr>
+            <a:picLocks noChangeAspect="1"/>
+          </p:cNvPicPr>
+          <p:nvPr/>
+        </p:nvPicPr>
+        <p:blipFill>
+          <a:blip r:embed="rId2"/>
+          <a:stretch>
+            <a:fillRect/>
+          </a:stretch>
+        </p:blipFill>
+        <p:spPr>
+          <a:xfrm>
+            <a:off x="838200" y="1784723"/>
+            <a:ext cx="7661275" cy="4731964"/>
+          </a:xfrm>
+          <a:prstGeom prst="rect">
+            <a:avLst/>
+          </a:prstGeom>
+        </p:spPr>
+      </p:pic>
+      <p:sp>
+        <p:nvSpPr>
+          <p:cNvPr id="2" name="Title 1"/>
+          <p:cNvSpPr>
+            <a:spLocks noGrp="1"/>
+          </p:cNvSpPr>
+          <p:nvPr>
+            <p:ph type="title"/>
+          </p:nvPr>
+        </p:nvSpPr>
+        <p:spPr/>
+        <p:txBody>
+          <a:bodyPr/>
+          <a:lstStyle/>
+          <a:p>
+            <a:r>
+              <a:rPr lang="en-US" dirty="0" smtClean="0"/>
+              <a:t>Bluetooth Connectivity</a:t>
+            </a:r>
+            <a:endParaRPr lang="en-GB" dirty="0"/>
+          </a:p>
+        </p:txBody>
+      </p:sp>
+      <p:sp>
+        <p:nvSpPr>
+          <p:cNvPr id="7" name="Down Arrow 6"/>
+          <p:cNvSpPr/>
+          <p:nvPr/>
+        </p:nvSpPr>
+        <p:spPr>
+          <a:xfrm rot="5400000">
+            <a:off x="7478693" y="2347913"/>
+            <a:ext cx="464508" cy="1018751"/>
+          </a:xfrm>
+          <a:prstGeom prst="downArrow">
+            <a:avLst/>
+          </a:prstGeom>
+          <a:solidFill>
+            <a:srgbClr val="FF0000"/>
+          </a:solidFill>
+          <a:ln>
+            <a:noFill/>
+          </a:ln>
+        </p:spPr>
+        <p:style>
+          <a:lnRef idx="2">
+            <a:schemeClr val="accent1">
+              <a:shade val="50000"/>
+            </a:schemeClr>
+          </a:lnRef>
+          <a:fillRef idx="1">
+            <a:schemeClr val="accent1"/>
+          </a:fillRef>
+          <a:effectRef idx="0">
+            <a:schemeClr val="accent1"/>
+          </a:effectRef>
+          <a:fontRef idx="minor">
+            <a:schemeClr val="lt1"/>
+          </a:fontRef>
+        </p:style>
+        <p:txBody>
+          <a:bodyPr rtlCol="0" anchor="ctr"/>
+          <a:lstStyle/>
+          <a:p>
+            <a:pPr algn="ctr"/>
+            <a:endParaRPr lang="en-GB"/>
+          </a:p>
+        </p:txBody>
+      </p:sp>
+      <p:sp>
+        <p:nvSpPr>
+          <p:cNvPr id="8" name="Down Arrow 7"/>
+          <p:cNvSpPr/>
+          <p:nvPr/>
+        </p:nvSpPr>
+        <p:spPr>
+          <a:xfrm rot="5400000">
+            <a:off x="2678093" y="3641330"/>
+            <a:ext cx="464508" cy="1018751"/>
+          </a:xfrm>
+          <a:prstGeom prst="downArrow">
+            <a:avLst/>
+          </a:prstGeom>
+          <a:solidFill>
+            <a:srgbClr val="FF0000"/>
+          </a:solidFill>
+          <a:ln>
+            <a:noFill/>
+          </a:ln>
+        </p:spPr>
+        <p:style>
+          <a:lnRef idx="2">
+            <a:schemeClr val="accent1">
+              <a:shade val="50000"/>
+            </a:schemeClr>
+          </a:lnRef>
+          <a:fillRef idx="1">
+            <a:schemeClr val="accent1"/>
+          </a:fillRef>
+          <a:effectRef idx="0">
+            <a:schemeClr val="accent1"/>
+          </a:effectRef>
+          <a:fontRef idx="minor">
+            <a:schemeClr val="lt1"/>
+          </a:fontRef>
+        </p:style>
+        <p:txBody>
+          <a:bodyPr rtlCol="0" anchor="ctr"/>
+          <a:lstStyle/>
+          <a:p>
+            <a:pPr algn="ctr"/>
+            <a:endParaRPr lang="en-GB"/>
+          </a:p>
+        </p:txBody>
+      </p:sp>
+    </p:spTree>
+    <p:extLst>
+      <p:ext uri="{BB962C8B-B14F-4D97-AF65-F5344CB8AC3E}">
+        <p14:creationId xmlns:p14="http://schemas.microsoft.com/office/powerpoint/2010/main" val="2014310559"/>
+      </p:ext>
+    </p:extLst>
+  </p:cSld>
+  <p:clrMapOvr>
+    <a:masterClrMapping/>
+  </p:clrMapOvr>
+  <p:timing>
+    <p:tnLst>
+      <p:par>
+        <p:cTn id="1" dur="indefinite" restart="never" nodeType="tmRoot"/>
+      </p:par>
+    </p:tnLst>
+  </p:timing>
+</p:sld>
+</file>
+
+<file path=ppt/slides/slide21.xml><?xml version="1.0" encoding="utf-8"?>
+<p:sld xmlns:a="http://schemas.openxmlformats.org/drawingml/2006/main" xmlns:r="http://schemas.openxmlformats.org/officeDocument/2006/relationships" xmlns:p="http://schemas.openxmlformats.org/presentationml/2006/main">
+  <p:cSld>
+    <p:spTree>
+      <p:nvGrpSpPr>
+        <p:cNvPr id="1" name=""/>
+        <p:cNvGrpSpPr/>
+        <p:nvPr/>
+      </p:nvGrpSpPr>
+      <p:grpSpPr>
+        <a:xfrm>
+          <a:off x="0" y="0"/>
+          <a:ext cx="0" cy="0"/>
+          <a:chOff x="0" y="0"/>
+          <a:chExt cx="0" cy="0"/>
+        </a:xfrm>
+      </p:grpSpPr>
+      <p:sp>
+        <p:nvSpPr>
+          <p:cNvPr id="2" name="Title 1"/>
+          <p:cNvSpPr>
+            <a:spLocks noGrp="1"/>
+          </p:cNvSpPr>
+          <p:nvPr>
+            <p:ph type="title"/>
+          </p:nvPr>
+        </p:nvSpPr>
+        <p:spPr/>
+        <p:txBody>
+          <a:bodyPr/>
+          <a:lstStyle/>
+          <a:p>
+            <a:r>
+              <a:rPr lang="en-US" dirty="0" smtClean="0"/>
+              <a:t>Bluetooth Connectivity</a:t>
+            </a:r>
+            <a:endParaRPr lang="en-GB" dirty="0"/>
+          </a:p>
+        </p:txBody>
+      </p:sp>
+      <p:pic>
+        <p:nvPicPr>
+          <p:cNvPr id="3" name="Picture 2"/>
+          <p:cNvPicPr>
+            <a:picLocks noChangeAspect="1"/>
+          </p:cNvPicPr>
+          <p:nvPr/>
+        </p:nvPicPr>
+        <p:blipFill>
+          <a:blip r:embed="rId2"/>
+          <a:stretch>
+            <a:fillRect/>
+          </a:stretch>
+        </p:blipFill>
+        <p:spPr>
+          <a:xfrm>
+            <a:off x="838200" y="1806176"/>
+            <a:ext cx="9498013" cy="4888311"/>
+          </a:xfrm>
+          <a:prstGeom prst="rect">
+            <a:avLst/>
+          </a:prstGeom>
+        </p:spPr>
+      </p:pic>
+    </p:spTree>
+    <p:extLst>
+      <p:ext uri="{BB962C8B-B14F-4D97-AF65-F5344CB8AC3E}">
+        <p14:creationId xmlns:p14="http://schemas.microsoft.com/office/powerpoint/2010/main" val="2755933942"/>
+      </p:ext>
+    </p:extLst>
+  </p:cSld>
+  <p:clrMapOvr>
+    <a:masterClrMapping/>
+  </p:clrMapOvr>
+  <p:timing>
+    <p:tnLst>
+      <p:par>
+        <p:cTn id="1" dur="indefinite" restart="never" nodeType="tmRoot"/>
+      </p:par>
+    </p:tnLst>
+  </p:timing>
 </p:sld>
 </file>
 
